--- a/1. Bahan Ajar/01. Keamanan Informasi - Pendahuluan.pptx
+++ b/1. Bahan Ajar/01. Keamanan Informasi - Pendahuluan.pptx
@@ -196,7 +196,6 @@
   </mc:AlternateContent>
   <c:chart>
     <c:title>
-      <c:layout/>
       <c:overlay val="0"/>
       <c:spPr>
         <a:noFill/>
@@ -7307,832 +7306,6 @@
       <dsp:cNvGrpSpPr/>
     </dsp:nvGrpSpPr>
     <dsp:grpSpPr/>
-    <dsp:sp modelId="{086980F9-6F38-4459-8BC9-85C438D0D44C}">
-      <dsp:nvSpPr>
-        <dsp:cNvPr id="0" name=""/>
-        <dsp:cNvSpPr/>
-      </dsp:nvSpPr>
-      <dsp:spPr>
-        <a:xfrm>
-          <a:off x="0" y="1411"/>
-          <a:ext cx="4214401" cy="851009"/>
-        </a:xfrm>
-        <a:prstGeom prst="roundRect">
-          <a:avLst/>
-        </a:prstGeom>
-        <a:solidFill>
-          <a:srgbClr val="FFFF00"/>
-        </a:solidFill>
-        <a:ln w="12700" cap="flat" cmpd="sng" algn="ctr">
-          <a:solidFill>
-            <a:schemeClr val="accent1">
-              <a:shade val="80000"/>
-              <a:hueOff val="0"/>
-              <a:satOff val="0"/>
-              <a:lumOff val="0"/>
-              <a:alphaOff val="0"/>
-            </a:schemeClr>
-          </a:solidFill>
-          <a:prstDash val="solid"/>
-          <a:miter lim="800000"/>
-        </a:ln>
-        <a:effectLst/>
-      </dsp:spPr>
-      <dsp:style>
-        <a:lnRef idx="2">
-          <a:scrgbClr r="0" g="0" b="0"/>
-        </a:lnRef>
-        <a:fillRef idx="1">
-          <a:scrgbClr r="0" g="0" b="0"/>
-        </a:fillRef>
-        <a:effectRef idx="0">
-          <a:scrgbClr r="0" g="0" b="0"/>
-        </a:effectRef>
-        <a:fontRef idx="minor">
-          <a:schemeClr val="lt1"/>
-        </a:fontRef>
-      </dsp:style>
-      <dsp:txBody>
-        <a:bodyPr spcFirstLastPara="0" vert="horz" wrap="square" lIns="91440" tIns="91440" rIns="91440" bIns="91440" numCol="1" spcCol="1270" anchor="ctr" anchorCtr="0">
-          <a:noAutofit/>
-        </a:bodyPr>
-        <a:lstStyle/>
-        <a:p>
-          <a:pPr lvl="0" algn="l" defTabSz="1066800">
-            <a:lnSpc>
-              <a:spcPct val="90000"/>
-            </a:lnSpc>
-            <a:spcBef>
-              <a:spcPct val="0"/>
-            </a:spcBef>
-            <a:spcAft>
-              <a:spcPct val="35000"/>
-            </a:spcAft>
-          </a:pPr>
-          <a:r>
-            <a:rPr lang="en-US" sz="2400" b="1" kern="1200" dirty="0">
-              <a:latin typeface="Agency FB" panose="020B0503020202020204" pitchFamily="34" charset="0"/>
-            </a:rPr>
-            <a:t>01. </a:t>
-          </a:r>
-          <a:r>
-            <a:rPr lang="id-ID" sz="2400" b="1" kern="1200" dirty="0" smtClean="0">
-              <a:latin typeface="Agency FB" panose="020B0503020202020204" pitchFamily="34" charset="0"/>
-            </a:rPr>
-            <a:t>Pengantar Keamanan Informasi</a:t>
-          </a:r>
-          <a:endParaRPr lang="en-US" sz="2400" b="0" kern="1200" dirty="0">
-            <a:latin typeface="Agency FB" panose="020B0503020202020204" pitchFamily="34" charset="0"/>
-          </a:endParaRPr>
-        </a:p>
-      </dsp:txBody>
-      <dsp:txXfrm>
-        <a:off x="41543" y="42954"/>
-        <a:ext cx="4131315" cy="767923"/>
-      </dsp:txXfrm>
-    </dsp:sp>
-    <dsp:sp modelId="{2B0E2AB5-C119-4743-96E1-6DE15C2A42E9}">
-      <dsp:nvSpPr>
-        <dsp:cNvPr id="0" name=""/>
-        <dsp:cNvSpPr/>
-      </dsp:nvSpPr>
-      <dsp:spPr>
-        <a:xfrm>
-          <a:off x="0" y="861646"/>
-          <a:ext cx="4214401" cy="596814"/>
-        </a:xfrm>
-        <a:prstGeom prst="roundRect">
-          <a:avLst/>
-        </a:prstGeom>
-        <a:noFill/>
-        <a:ln w="12700" cap="flat" cmpd="sng" algn="ctr">
-          <a:solidFill>
-            <a:schemeClr val="accent1">
-              <a:shade val="80000"/>
-              <a:hueOff val="0"/>
-              <a:satOff val="0"/>
-              <a:lumOff val="0"/>
-              <a:alphaOff val="0"/>
-            </a:schemeClr>
-          </a:solidFill>
-          <a:prstDash val="solid"/>
-          <a:miter lim="800000"/>
-        </a:ln>
-        <a:effectLst/>
-      </dsp:spPr>
-      <dsp:style>
-        <a:lnRef idx="2">
-          <a:scrgbClr r="0" g="0" b="0"/>
-        </a:lnRef>
-        <a:fillRef idx="1">
-          <a:scrgbClr r="0" g="0" b="0"/>
-        </a:fillRef>
-        <a:effectRef idx="0">
-          <a:scrgbClr r="0" g="0" b="0"/>
-        </a:effectRef>
-        <a:fontRef idx="minor">
-          <a:schemeClr val="lt1"/>
-        </a:fontRef>
-      </dsp:style>
-      <dsp:txBody>
-        <a:bodyPr spcFirstLastPara="0" vert="horz" wrap="square" lIns="91440" tIns="91440" rIns="91440" bIns="91440" numCol="1" spcCol="1270" anchor="ctr" anchorCtr="0">
-          <a:noAutofit/>
-        </a:bodyPr>
-        <a:lstStyle/>
-        <a:p>
-          <a:pPr lvl="0" algn="l" defTabSz="1066800">
-            <a:lnSpc>
-              <a:spcPct val="90000"/>
-            </a:lnSpc>
-            <a:spcBef>
-              <a:spcPct val="0"/>
-            </a:spcBef>
-            <a:spcAft>
-              <a:spcPct val="35000"/>
-            </a:spcAft>
-          </a:pPr>
-          <a:r>
-            <a:rPr lang="id-ID" sz="2400" b="1" kern="1200" dirty="0">
-              <a:latin typeface="Agency FB" panose="020B0503020202020204" pitchFamily="34" charset="0"/>
-            </a:rPr>
-            <a:t>0</a:t>
-          </a:r>
-          <a:r>
-            <a:rPr lang="en-US" sz="2400" b="1" kern="1200" dirty="0">
-              <a:latin typeface="Agency FB" panose="020B0503020202020204" pitchFamily="34" charset="0"/>
-            </a:rPr>
-            <a:t>2</a:t>
-          </a:r>
-          <a:r>
-            <a:rPr lang="id-ID" sz="2400" b="1" kern="1200" dirty="0">
-              <a:latin typeface="Agency FB" panose="020B0503020202020204" pitchFamily="34" charset="0"/>
-            </a:rPr>
-            <a:t>. </a:t>
-          </a:r>
-          <a:r>
-            <a:rPr lang="en-US" sz="2400" b="0" kern="1200" dirty="0" err="1" smtClean="0">
-              <a:latin typeface="Agency FB" panose="020B0503020202020204" pitchFamily="34" charset="0"/>
-            </a:rPr>
-            <a:t>Pemodelan</a:t>
-          </a:r>
-          <a:r>
-            <a:rPr lang="en-US" sz="2400" b="0" kern="1200" dirty="0" smtClean="0">
-              <a:latin typeface="Agency FB" panose="020B0503020202020204" pitchFamily="34" charset="0"/>
-            </a:rPr>
-            <a:t> </a:t>
-          </a:r>
-          <a:r>
-            <a:rPr lang="en-US" sz="2400" b="0" kern="1200" dirty="0" err="1" smtClean="0">
-              <a:latin typeface="Agency FB" panose="020B0503020202020204" pitchFamily="34" charset="0"/>
-            </a:rPr>
-            <a:t>Serangan</a:t>
-          </a:r>
-          <a:r>
-            <a:rPr lang="id-ID" sz="2400" b="0" kern="1200" dirty="0" smtClean="0">
-              <a:latin typeface="Agency FB" panose="020B0503020202020204" pitchFamily="34" charset="0"/>
-            </a:rPr>
-            <a:t> (Attack Tree)</a:t>
-          </a:r>
-          <a:endParaRPr lang="en-US" sz="2400" b="0" kern="1200" dirty="0">
-            <a:latin typeface="Agency FB" panose="020B0503020202020204" pitchFamily="34" charset="0"/>
-          </a:endParaRPr>
-        </a:p>
-      </dsp:txBody>
-      <dsp:txXfrm>
-        <a:off x="29134" y="890780"/>
-        <a:ext cx="4156133" cy="538546"/>
-      </dsp:txXfrm>
-    </dsp:sp>
-    <dsp:sp modelId="{EBF2DBB0-09AC-46B7-9297-8EC140618313}">
-      <dsp:nvSpPr>
-        <dsp:cNvPr id="0" name=""/>
-        <dsp:cNvSpPr/>
-      </dsp:nvSpPr>
-      <dsp:spPr>
-        <a:xfrm>
-          <a:off x="0" y="1467685"/>
-          <a:ext cx="4214401" cy="596814"/>
-        </a:xfrm>
-        <a:prstGeom prst="roundRect">
-          <a:avLst/>
-        </a:prstGeom>
-        <a:noFill/>
-        <a:ln w="12700" cap="flat" cmpd="sng" algn="ctr">
-          <a:solidFill>
-            <a:schemeClr val="accent1">
-              <a:shade val="80000"/>
-              <a:hueOff val="0"/>
-              <a:satOff val="0"/>
-              <a:lumOff val="0"/>
-              <a:alphaOff val="0"/>
-            </a:schemeClr>
-          </a:solidFill>
-          <a:prstDash val="solid"/>
-          <a:miter lim="800000"/>
-        </a:ln>
-        <a:effectLst/>
-      </dsp:spPr>
-      <dsp:style>
-        <a:lnRef idx="2">
-          <a:scrgbClr r="0" g="0" b="0"/>
-        </a:lnRef>
-        <a:fillRef idx="1">
-          <a:scrgbClr r="0" g="0" b="0"/>
-        </a:fillRef>
-        <a:effectRef idx="0">
-          <a:scrgbClr r="0" g="0" b="0"/>
-        </a:effectRef>
-        <a:fontRef idx="minor">
-          <a:schemeClr val="lt1"/>
-        </a:fontRef>
-      </dsp:style>
-      <dsp:txBody>
-        <a:bodyPr spcFirstLastPara="0" vert="horz" wrap="square" lIns="91440" tIns="91440" rIns="91440" bIns="91440" numCol="1" spcCol="1270" anchor="ctr" anchorCtr="0">
-          <a:noAutofit/>
-        </a:bodyPr>
-        <a:lstStyle/>
-        <a:p>
-          <a:pPr lvl="0" algn="l" defTabSz="1066800">
-            <a:lnSpc>
-              <a:spcPct val="90000"/>
-            </a:lnSpc>
-            <a:spcBef>
-              <a:spcPct val="0"/>
-            </a:spcBef>
-            <a:spcAft>
-              <a:spcPct val="35000"/>
-            </a:spcAft>
-          </a:pPr>
-          <a:r>
-            <a:rPr lang="id-ID" sz="2400" b="1" kern="1200" dirty="0">
-              <a:latin typeface="Agency FB" panose="020B0503020202020204" pitchFamily="34" charset="0"/>
-            </a:rPr>
-            <a:t>0</a:t>
-          </a:r>
-          <a:r>
-            <a:rPr lang="en-US" sz="2400" b="1" kern="1200" dirty="0">
-              <a:latin typeface="Agency FB" panose="020B0503020202020204" pitchFamily="34" charset="0"/>
-            </a:rPr>
-            <a:t>3</a:t>
-          </a:r>
-          <a:r>
-            <a:rPr lang="id-ID" sz="2400" b="1" kern="1200" dirty="0" smtClean="0">
-              <a:latin typeface="Agency FB" panose="020B0503020202020204" pitchFamily="34" charset="0"/>
-            </a:rPr>
-            <a:t>. </a:t>
-          </a:r>
-          <a:r>
-            <a:rPr lang="en-US" sz="2400" b="0" kern="1200" dirty="0" err="1" smtClean="0">
-              <a:latin typeface="Agency FB" panose="020B0503020202020204" pitchFamily="34" charset="0"/>
-            </a:rPr>
-            <a:t>Sistem</a:t>
-          </a:r>
-          <a:r>
-            <a:rPr lang="en-US" sz="2400" b="0" kern="1200" dirty="0" smtClean="0">
-              <a:latin typeface="Agency FB" panose="020B0503020202020204" pitchFamily="34" charset="0"/>
-            </a:rPr>
-            <a:t> </a:t>
-          </a:r>
-          <a:r>
-            <a:rPr lang="en-US" sz="2400" b="0" kern="1200" dirty="0" err="1" smtClean="0">
-              <a:latin typeface="Agency FB" panose="020B0503020202020204" pitchFamily="34" charset="0"/>
-            </a:rPr>
-            <a:t>Keamanan</a:t>
-          </a:r>
-          <a:r>
-            <a:rPr lang="en-US" sz="2400" b="0" kern="1200" dirty="0" smtClean="0">
-              <a:latin typeface="Agency FB" panose="020B0503020202020204" pitchFamily="34" charset="0"/>
-            </a:rPr>
-            <a:t> </a:t>
-          </a:r>
-          <a:r>
-            <a:rPr lang="en-US" sz="2400" b="0" kern="1200" dirty="0" err="1" smtClean="0">
-              <a:latin typeface="Agency FB" panose="020B0503020202020204" pitchFamily="34" charset="0"/>
-            </a:rPr>
-            <a:t>Informasi</a:t>
-          </a:r>
-          <a:r>
-            <a:rPr lang="en-US" sz="2400" b="0" kern="1200" dirty="0" smtClean="0">
-              <a:latin typeface="Agency FB" panose="020B0503020202020204" pitchFamily="34" charset="0"/>
-            </a:rPr>
-            <a:t> </a:t>
-          </a:r>
-          <a:r>
-            <a:rPr lang="en-US" sz="2400" b="0" kern="1200" dirty="0" err="1" smtClean="0">
-              <a:latin typeface="Agency FB" panose="020B0503020202020204" pitchFamily="34" charset="0"/>
-            </a:rPr>
-            <a:t>dan</a:t>
-          </a:r>
-          <a:r>
-            <a:rPr lang="en-US" sz="2400" b="0" kern="1200" dirty="0" smtClean="0">
-              <a:latin typeface="Agency FB" panose="020B0503020202020204" pitchFamily="34" charset="0"/>
-            </a:rPr>
-            <a:t> Internet </a:t>
-          </a:r>
-          <a:endParaRPr lang="en-US" sz="2400" b="0" kern="1200" dirty="0">
-            <a:latin typeface="Agency FB" panose="020B0503020202020204" pitchFamily="34" charset="0"/>
-          </a:endParaRPr>
-        </a:p>
-      </dsp:txBody>
-      <dsp:txXfrm>
-        <a:off x="29134" y="1496819"/>
-        <a:ext cx="4156133" cy="538546"/>
-      </dsp:txXfrm>
-    </dsp:sp>
-    <dsp:sp modelId="{E6B7A12E-D792-4506-9B2A-818D9EC2E909}">
-      <dsp:nvSpPr>
-        <dsp:cNvPr id="0" name=""/>
-        <dsp:cNvSpPr/>
-      </dsp:nvSpPr>
-      <dsp:spPr>
-        <a:xfrm>
-          <a:off x="0" y="2073724"/>
-          <a:ext cx="4214401" cy="596814"/>
-        </a:xfrm>
-        <a:prstGeom prst="roundRect">
-          <a:avLst/>
-        </a:prstGeom>
-        <a:noFill/>
-        <a:ln w="12700" cap="flat" cmpd="sng" algn="ctr">
-          <a:solidFill>
-            <a:schemeClr val="accent1">
-              <a:shade val="80000"/>
-              <a:hueOff val="0"/>
-              <a:satOff val="0"/>
-              <a:lumOff val="0"/>
-              <a:alphaOff val="0"/>
-            </a:schemeClr>
-          </a:solidFill>
-          <a:prstDash val="solid"/>
-          <a:miter lim="800000"/>
-        </a:ln>
-        <a:effectLst/>
-      </dsp:spPr>
-      <dsp:style>
-        <a:lnRef idx="2">
-          <a:scrgbClr r="0" g="0" b="0"/>
-        </a:lnRef>
-        <a:fillRef idx="1">
-          <a:scrgbClr r="0" g="0" b="0"/>
-        </a:fillRef>
-        <a:effectRef idx="0">
-          <a:scrgbClr r="0" g="0" b="0"/>
-        </a:effectRef>
-        <a:fontRef idx="minor">
-          <a:schemeClr val="lt1"/>
-        </a:fontRef>
-      </dsp:style>
-      <dsp:txBody>
-        <a:bodyPr spcFirstLastPara="0" vert="horz" wrap="square" lIns="91440" tIns="91440" rIns="91440" bIns="91440" numCol="1" spcCol="1270" anchor="ctr" anchorCtr="0">
-          <a:noAutofit/>
-        </a:bodyPr>
-        <a:lstStyle/>
-        <a:p>
-          <a:pPr lvl="0" algn="l" defTabSz="1066800">
-            <a:lnSpc>
-              <a:spcPct val="90000"/>
-            </a:lnSpc>
-            <a:spcBef>
-              <a:spcPct val="0"/>
-            </a:spcBef>
-            <a:spcAft>
-              <a:spcPct val="35000"/>
-            </a:spcAft>
-          </a:pPr>
-          <a:r>
-            <a:rPr lang="id-ID" sz="2400" b="1" kern="1200" dirty="0">
-              <a:latin typeface="Agency FB" panose="020B0503020202020204" pitchFamily="34" charset="0"/>
-            </a:rPr>
-            <a:t>0</a:t>
-          </a:r>
-          <a:r>
-            <a:rPr lang="en-US" sz="2400" b="1" kern="1200" dirty="0">
-              <a:latin typeface="Agency FB" panose="020B0503020202020204" pitchFamily="34" charset="0"/>
-            </a:rPr>
-            <a:t>4</a:t>
-          </a:r>
-          <a:r>
-            <a:rPr lang="id-ID" sz="2400" b="1" kern="1200">
-              <a:latin typeface="Agency FB" panose="020B0503020202020204" pitchFamily="34" charset="0"/>
-            </a:rPr>
-            <a:t>. </a:t>
-          </a:r>
-          <a:r>
-            <a:rPr lang="en-US" sz="2400" b="0" kern="1200" smtClean="0">
-              <a:latin typeface="Agency FB" panose="020B0503020202020204" pitchFamily="34" charset="0"/>
-            </a:rPr>
-            <a:t>Autentikasi</a:t>
-          </a:r>
-          <a:endParaRPr lang="id-ID" sz="2400" b="0" kern="1200" dirty="0">
-            <a:latin typeface="Agency FB" panose="020B0503020202020204" pitchFamily="34" charset="0"/>
-          </a:endParaRPr>
-        </a:p>
-      </dsp:txBody>
-      <dsp:txXfrm>
-        <a:off x="29134" y="2102858"/>
-        <a:ext cx="4156133" cy="538546"/>
-      </dsp:txXfrm>
-    </dsp:sp>
-    <dsp:sp modelId="{9498D6D7-D1DE-4880-A122-141F0CC4C4C8}">
-      <dsp:nvSpPr>
-        <dsp:cNvPr id="0" name=""/>
-        <dsp:cNvSpPr/>
-      </dsp:nvSpPr>
-      <dsp:spPr>
-        <a:xfrm>
-          <a:off x="0" y="2679764"/>
-          <a:ext cx="4214401" cy="596814"/>
-        </a:xfrm>
-        <a:prstGeom prst="roundRect">
-          <a:avLst/>
-        </a:prstGeom>
-        <a:noFill/>
-        <a:ln w="12700" cap="flat" cmpd="sng" algn="ctr">
-          <a:solidFill>
-            <a:schemeClr val="accent1">
-              <a:shade val="80000"/>
-              <a:hueOff val="0"/>
-              <a:satOff val="0"/>
-              <a:lumOff val="0"/>
-              <a:alphaOff val="0"/>
-            </a:schemeClr>
-          </a:solidFill>
-          <a:prstDash val="solid"/>
-          <a:miter lim="800000"/>
-        </a:ln>
-        <a:effectLst/>
-      </dsp:spPr>
-      <dsp:style>
-        <a:lnRef idx="2">
-          <a:scrgbClr r="0" g="0" b="0"/>
-        </a:lnRef>
-        <a:fillRef idx="1">
-          <a:scrgbClr r="0" g="0" b="0"/>
-        </a:fillRef>
-        <a:effectRef idx="0">
-          <a:scrgbClr r="0" g="0" b="0"/>
-        </a:effectRef>
-        <a:fontRef idx="minor">
-          <a:schemeClr val="lt1"/>
-        </a:fontRef>
-      </dsp:style>
-      <dsp:txBody>
-        <a:bodyPr spcFirstLastPara="0" vert="horz" wrap="square" lIns="91440" tIns="91440" rIns="91440" bIns="91440" numCol="1" spcCol="1270" anchor="ctr" anchorCtr="0">
-          <a:noAutofit/>
-        </a:bodyPr>
-        <a:lstStyle/>
-        <a:p>
-          <a:pPr lvl="0" algn="l" defTabSz="1066800">
-            <a:lnSpc>
-              <a:spcPct val="90000"/>
-            </a:lnSpc>
-            <a:spcBef>
-              <a:spcPct val="0"/>
-            </a:spcBef>
-            <a:spcAft>
-              <a:spcPct val="35000"/>
-            </a:spcAft>
-          </a:pPr>
-          <a:r>
-            <a:rPr lang="id-ID" sz="2400" b="1" kern="1200" dirty="0">
-              <a:latin typeface="Agency FB" panose="020B0503020202020204" pitchFamily="34" charset="0"/>
-            </a:rPr>
-            <a:t>0</a:t>
-          </a:r>
-          <a:r>
-            <a:rPr lang="en-US" sz="2400" b="1" kern="1200" dirty="0">
-              <a:latin typeface="Agency FB" panose="020B0503020202020204" pitchFamily="34" charset="0"/>
-            </a:rPr>
-            <a:t>5</a:t>
-          </a:r>
-          <a:r>
-            <a:rPr lang="id-ID" sz="2400" b="1" kern="1200">
-              <a:latin typeface="Agency FB" panose="020B0503020202020204" pitchFamily="34" charset="0"/>
-            </a:rPr>
-            <a:t>. </a:t>
-          </a:r>
-          <a:r>
-            <a:rPr lang="en-US" sz="2400" b="0" kern="1200" smtClean="0">
-              <a:latin typeface="Agency FB" panose="020B0503020202020204" pitchFamily="34" charset="0"/>
-            </a:rPr>
-            <a:t>Kontrol </a:t>
-          </a:r>
-          <a:r>
-            <a:rPr lang="en-US" sz="2400" b="0" kern="1200" dirty="0" err="1" smtClean="0">
-              <a:latin typeface="Agency FB" panose="020B0503020202020204" pitchFamily="34" charset="0"/>
-            </a:rPr>
-            <a:t>Akses</a:t>
-          </a:r>
-          <a:endParaRPr lang="id-ID" sz="2400" b="0" kern="1200" dirty="0">
-            <a:latin typeface="Agency FB" panose="020B0503020202020204" pitchFamily="34" charset="0"/>
-          </a:endParaRPr>
-        </a:p>
-      </dsp:txBody>
-      <dsp:txXfrm>
-        <a:off x="29134" y="2708898"/>
-        <a:ext cx="4156133" cy="538546"/>
-      </dsp:txXfrm>
-    </dsp:sp>
-    <dsp:sp modelId="{D27F1C2B-8031-40D9-9358-BFC0F3063FA8}">
-      <dsp:nvSpPr>
-        <dsp:cNvPr id="0" name=""/>
-        <dsp:cNvSpPr/>
-      </dsp:nvSpPr>
-      <dsp:spPr>
-        <a:xfrm>
-          <a:off x="0" y="3285803"/>
-          <a:ext cx="4214401" cy="596814"/>
-        </a:xfrm>
-        <a:prstGeom prst="roundRect">
-          <a:avLst/>
-        </a:prstGeom>
-        <a:noFill/>
-        <a:ln w="12700" cap="flat" cmpd="sng" algn="ctr">
-          <a:solidFill>
-            <a:schemeClr val="accent1">
-              <a:shade val="80000"/>
-              <a:hueOff val="0"/>
-              <a:satOff val="0"/>
-              <a:lumOff val="0"/>
-              <a:alphaOff val="0"/>
-            </a:schemeClr>
-          </a:solidFill>
-          <a:prstDash val="solid"/>
-          <a:miter lim="800000"/>
-        </a:ln>
-        <a:effectLst/>
-      </dsp:spPr>
-      <dsp:style>
-        <a:lnRef idx="2">
-          <a:scrgbClr r="0" g="0" b="0"/>
-        </a:lnRef>
-        <a:fillRef idx="1">
-          <a:scrgbClr r="0" g="0" b="0"/>
-        </a:fillRef>
-        <a:effectRef idx="0">
-          <a:scrgbClr r="0" g="0" b="0"/>
-        </a:effectRef>
-        <a:fontRef idx="minor">
-          <a:schemeClr val="lt1"/>
-        </a:fontRef>
-      </dsp:style>
-      <dsp:txBody>
-        <a:bodyPr spcFirstLastPara="0" vert="horz" wrap="square" lIns="91440" tIns="91440" rIns="91440" bIns="91440" numCol="1" spcCol="1270" anchor="ctr" anchorCtr="0">
-          <a:noAutofit/>
-        </a:bodyPr>
-        <a:lstStyle/>
-        <a:p>
-          <a:pPr lvl="0" algn="l" defTabSz="1066800">
-            <a:lnSpc>
-              <a:spcPct val="90000"/>
-            </a:lnSpc>
-            <a:spcBef>
-              <a:spcPct val="0"/>
-            </a:spcBef>
-            <a:spcAft>
-              <a:spcPct val="35000"/>
-            </a:spcAft>
-          </a:pPr>
-          <a:r>
-            <a:rPr lang="en-US" sz="2400" b="1" kern="1200" dirty="0" smtClean="0">
-              <a:latin typeface="Agency FB" panose="020B0503020202020204" pitchFamily="34" charset="0"/>
-            </a:rPr>
-            <a:t>0</a:t>
-          </a:r>
-          <a:r>
-            <a:rPr lang="id-ID" sz="2400" b="1" kern="1200" dirty="0" smtClean="0">
-              <a:latin typeface="Agency FB" panose="020B0503020202020204" pitchFamily="34" charset="0"/>
-            </a:rPr>
-            <a:t>6</a:t>
-          </a:r>
-          <a:r>
-            <a:rPr lang="en-US" sz="2400" b="1" kern="1200" dirty="0" smtClean="0">
-              <a:latin typeface="Agency FB" panose="020B0503020202020204" pitchFamily="34" charset="0"/>
-            </a:rPr>
-            <a:t>. </a:t>
-          </a:r>
-          <a:r>
-            <a:rPr lang="en-US" sz="2400" b="0" kern="1200" dirty="0" smtClean="0">
-              <a:latin typeface="Agency FB" panose="020B0503020202020204" pitchFamily="34" charset="0"/>
-            </a:rPr>
-            <a:t>Firewall </a:t>
-          </a:r>
-          <a:r>
-            <a:rPr lang="en-US" sz="2400" b="0" kern="1200" dirty="0" err="1" smtClean="0">
-              <a:latin typeface="Agency FB" panose="020B0503020202020204" pitchFamily="34" charset="0"/>
-            </a:rPr>
-            <a:t>dan</a:t>
-          </a:r>
-          <a:r>
-            <a:rPr lang="en-US" sz="2400" b="0" kern="1200" dirty="0" smtClean="0">
-              <a:latin typeface="Agency FB" panose="020B0503020202020204" pitchFamily="34" charset="0"/>
-            </a:rPr>
-            <a:t> Intrusion Detection System</a:t>
-          </a:r>
-          <a:endParaRPr lang="id-ID" sz="2400" b="0" kern="1200" dirty="0">
-            <a:latin typeface="Agency FB" panose="020B0503020202020204" pitchFamily="34" charset="0"/>
-          </a:endParaRPr>
-        </a:p>
-      </dsp:txBody>
-      <dsp:txXfrm>
-        <a:off x="29134" y="3314937"/>
-        <a:ext cx="4156133" cy="538546"/>
-      </dsp:txXfrm>
-    </dsp:sp>
-    <dsp:sp modelId="{AD907E54-1AAF-42A9-B5AD-B0BFC7405B10}">
-      <dsp:nvSpPr>
-        <dsp:cNvPr id="0" name=""/>
-        <dsp:cNvSpPr/>
-      </dsp:nvSpPr>
-      <dsp:spPr>
-        <a:xfrm>
-          <a:off x="0" y="3891842"/>
-          <a:ext cx="4214401" cy="596814"/>
-        </a:xfrm>
-        <a:prstGeom prst="roundRect">
-          <a:avLst/>
-        </a:prstGeom>
-        <a:noFill/>
-        <a:ln w="12700" cap="flat" cmpd="sng" algn="ctr">
-          <a:solidFill>
-            <a:schemeClr val="accent1">
-              <a:shade val="80000"/>
-              <a:hueOff val="0"/>
-              <a:satOff val="0"/>
-              <a:lumOff val="0"/>
-              <a:alphaOff val="0"/>
-            </a:schemeClr>
-          </a:solidFill>
-          <a:prstDash val="solid"/>
-          <a:miter lim="800000"/>
-        </a:ln>
-        <a:effectLst/>
-      </dsp:spPr>
-      <dsp:style>
-        <a:lnRef idx="2">
-          <a:scrgbClr r="0" g="0" b="0"/>
-        </a:lnRef>
-        <a:fillRef idx="1">
-          <a:scrgbClr r="0" g="0" b="0"/>
-        </a:fillRef>
-        <a:effectRef idx="0">
-          <a:scrgbClr r="0" g="0" b="0"/>
-        </a:effectRef>
-        <a:fontRef idx="minor">
-          <a:schemeClr val="lt1"/>
-        </a:fontRef>
-      </dsp:style>
-      <dsp:txBody>
-        <a:bodyPr spcFirstLastPara="0" vert="horz" wrap="square" lIns="91440" tIns="91440" rIns="91440" bIns="91440" numCol="1" spcCol="1270" anchor="ctr" anchorCtr="0">
-          <a:noAutofit/>
-        </a:bodyPr>
-        <a:lstStyle/>
-        <a:p>
-          <a:pPr lvl="0" algn="l" defTabSz="1066800">
-            <a:lnSpc>
-              <a:spcPct val="90000"/>
-            </a:lnSpc>
-            <a:spcBef>
-              <a:spcPct val="0"/>
-            </a:spcBef>
-            <a:spcAft>
-              <a:spcPct val="35000"/>
-            </a:spcAft>
-          </a:pPr>
-          <a:r>
-            <a:rPr lang="en-US" sz="2400" b="1" kern="1200" dirty="0" smtClean="0">
-              <a:latin typeface="Agency FB" panose="020B0503020202020204" pitchFamily="34" charset="0"/>
-            </a:rPr>
-            <a:t>0</a:t>
-          </a:r>
-          <a:r>
-            <a:rPr lang="id-ID" sz="2400" b="1" kern="1200" dirty="0" smtClean="0">
-              <a:latin typeface="Agency FB" panose="020B0503020202020204" pitchFamily="34" charset="0"/>
-            </a:rPr>
-            <a:t>7</a:t>
-          </a:r>
-          <a:r>
-            <a:rPr lang="en-US" sz="2400" b="1" kern="1200" dirty="0" smtClean="0">
-              <a:latin typeface="Agency FB" panose="020B0503020202020204" pitchFamily="34" charset="0"/>
-            </a:rPr>
-            <a:t>.</a:t>
-          </a:r>
-          <a:r>
-            <a:rPr lang="id-ID" sz="2400" b="1" kern="1200" dirty="0" smtClean="0">
-              <a:latin typeface="Agency FB" panose="020B0503020202020204" pitchFamily="34" charset="0"/>
-            </a:rPr>
-            <a:t> </a:t>
-          </a:r>
-          <a:r>
-            <a:rPr lang="id-ID" sz="2400" b="0" kern="1200" dirty="0" smtClean="0">
-              <a:latin typeface="Agency FB" panose="020B0503020202020204" pitchFamily="34" charset="0"/>
-            </a:rPr>
-            <a:t>Network Attack</a:t>
-          </a:r>
-          <a:endParaRPr lang="id-ID" sz="2400" b="0" kern="1200" dirty="0">
-            <a:latin typeface="Agency FB" panose="020B0503020202020204" pitchFamily="34" charset="0"/>
-          </a:endParaRPr>
-        </a:p>
-      </dsp:txBody>
-      <dsp:txXfrm>
-        <a:off x="29134" y="3920976"/>
-        <a:ext cx="4156133" cy="538546"/>
-      </dsp:txXfrm>
-    </dsp:sp>
-    <dsp:sp modelId="{56822E35-C193-43A7-8AA0-3E3F8B75E6AF}">
-      <dsp:nvSpPr>
-        <dsp:cNvPr id="0" name=""/>
-        <dsp:cNvSpPr/>
-      </dsp:nvSpPr>
-      <dsp:spPr>
-        <a:xfrm>
-          <a:off x="0" y="4497881"/>
-          <a:ext cx="4214401" cy="596814"/>
-        </a:xfrm>
-        <a:prstGeom prst="roundRect">
-          <a:avLst/>
-        </a:prstGeom>
-        <a:noFill/>
-        <a:ln w="12700" cap="flat" cmpd="sng" algn="ctr">
-          <a:solidFill>
-            <a:schemeClr val="accent1">
-              <a:shade val="80000"/>
-              <a:hueOff val="0"/>
-              <a:satOff val="0"/>
-              <a:lumOff val="0"/>
-              <a:alphaOff val="0"/>
-            </a:schemeClr>
-          </a:solidFill>
-          <a:prstDash val="solid"/>
-          <a:miter lim="800000"/>
-        </a:ln>
-        <a:effectLst/>
-      </dsp:spPr>
-      <dsp:style>
-        <a:lnRef idx="2">
-          <a:scrgbClr r="0" g="0" b="0"/>
-        </a:lnRef>
-        <a:fillRef idx="1">
-          <a:scrgbClr r="0" g="0" b="0"/>
-        </a:fillRef>
-        <a:effectRef idx="0">
-          <a:scrgbClr r="0" g="0" b="0"/>
-        </a:effectRef>
-        <a:fontRef idx="minor">
-          <a:schemeClr val="lt1"/>
-        </a:fontRef>
-      </dsp:style>
-      <dsp:txBody>
-        <a:bodyPr spcFirstLastPara="0" vert="horz" wrap="square" lIns="91440" tIns="91440" rIns="91440" bIns="91440" numCol="1" spcCol="1270" anchor="ctr" anchorCtr="0">
-          <a:noAutofit/>
-        </a:bodyPr>
-        <a:lstStyle/>
-        <a:p>
-          <a:pPr lvl="0" algn="l" defTabSz="1066800">
-            <a:lnSpc>
-              <a:spcPct val="90000"/>
-            </a:lnSpc>
-            <a:spcBef>
-              <a:spcPct val="0"/>
-            </a:spcBef>
-            <a:spcAft>
-              <a:spcPct val="35000"/>
-            </a:spcAft>
-          </a:pPr>
-          <a:r>
-            <a:rPr lang="en-US" sz="2400" b="1" kern="1200" dirty="0" smtClean="0">
-              <a:latin typeface="Agency FB" panose="020B0503020202020204" pitchFamily="34" charset="0"/>
-            </a:rPr>
-            <a:t>0</a:t>
-          </a:r>
-          <a:r>
-            <a:rPr lang="id-ID" sz="2400" b="1" kern="1200" dirty="0" smtClean="0">
-              <a:latin typeface="Agency FB" panose="020B0503020202020204" pitchFamily="34" charset="0"/>
-            </a:rPr>
-            <a:t>8</a:t>
-          </a:r>
-          <a:r>
-            <a:rPr lang="en-US" sz="2400" b="1" kern="1200" dirty="0" smtClean="0">
-              <a:latin typeface="Agency FB" panose="020B0503020202020204" pitchFamily="34" charset="0"/>
-            </a:rPr>
-            <a:t>. </a:t>
-          </a:r>
-          <a:r>
-            <a:rPr lang="id-ID" sz="2400" b="0" kern="1200" dirty="0" smtClean="0">
-              <a:latin typeface="Agency FB" panose="020B0503020202020204" pitchFamily="34" charset="0"/>
-            </a:rPr>
-            <a:t>Kriptografi</a:t>
-          </a:r>
-          <a:endParaRPr lang="id-ID" sz="2400" b="0" kern="1200" dirty="0">
-            <a:latin typeface="Agency FB" panose="020B0503020202020204" pitchFamily="34" charset="0"/>
-          </a:endParaRPr>
-        </a:p>
-      </dsp:txBody>
-      <dsp:txXfrm>
-        <a:off x="29134" y="4527015"/>
-        <a:ext cx="4156133" cy="538546"/>
-      </dsp:txXfrm>
-    </dsp:sp>
   </dsp:spTree>
 </dsp:drawing>
 </file>
@@ -8145,516 +7318,6 @@
       <dsp:cNvGrpSpPr/>
     </dsp:nvGrpSpPr>
     <dsp:grpSpPr/>
-    <dsp:sp modelId="{6F268465-018D-415F-9342-5F99EA4F989A}">
-      <dsp:nvSpPr>
-        <dsp:cNvPr id="0" name=""/>
-        <dsp:cNvSpPr/>
-      </dsp:nvSpPr>
-      <dsp:spPr>
-        <a:xfrm>
-          <a:off x="0" y="6559"/>
-          <a:ext cx="4214401" cy="711360"/>
-        </a:xfrm>
-        <a:prstGeom prst="roundRect">
-          <a:avLst/>
-        </a:prstGeom>
-        <a:noFill/>
-        <a:ln w="12700" cap="flat" cmpd="sng" algn="ctr">
-          <a:solidFill>
-            <a:schemeClr val="accent1">
-              <a:shade val="80000"/>
-              <a:hueOff val="0"/>
-              <a:satOff val="0"/>
-              <a:lumOff val="0"/>
-              <a:alphaOff val="0"/>
-            </a:schemeClr>
-          </a:solidFill>
-          <a:prstDash val="solid"/>
-          <a:miter lim="800000"/>
-        </a:ln>
-        <a:effectLst/>
-      </dsp:spPr>
-      <dsp:style>
-        <a:lnRef idx="2">
-          <a:scrgbClr r="0" g="0" b="0"/>
-        </a:lnRef>
-        <a:fillRef idx="1">
-          <a:scrgbClr r="0" g="0" b="0"/>
-        </a:fillRef>
-        <a:effectRef idx="0">
-          <a:scrgbClr r="0" g="0" b="0"/>
-        </a:effectRef>
-        <a:fontRef idx="minor">
-          <a:schemeClr val="lt1"/>
-        </a:fontRef>
-      </dsp:style>
-      <dsp:txBody>
-        <a:bodyPr spcFirstLastPara="0" vert="horz" wrap="square" lIns="106680" tIns="106680" rIns="106680" bIns="106680" numCol="1" spcCol="1270" anchor="ctr" anchorCtr="0">
-          <a:noAutofit/>
-        </a:bodyPr>
-        <a:lstStyle/>
-        <a:p>
-          <a:pPr lvl="0" algn="l" defTabSz="1244600">
-            <a:lnSpc>
-              <a:spcPct val="90000"/>
-            </a:lnSpc>
-            <a:spcBef>
-              <a:spcPct val="0"/>
-            </a:spcBef>
-            <a:spcAft>
-              <a:spcPct val="35000"/>
-            </a:spcAft>
-          </a:pPr>
-          <a:r>
-            <a:rPr lang="en-US" sz="2800" b="1" kern="1200" dirty="0" smtClean="0">
-              <a:latin typeface="Agency FB" panose="020B0503020202020204" pitchFamily="34" charset="0"/>
-            </a:rPr>
-            <a:t>0</a:t>
-          </a:r>
-          <a:r>
-            <a:rPr lang="id-ID" sz="2800" b="1" kern="1200" dirty="0" smtClean="0">
-              <a:latin typeface="Agency FB" panose="020B0503020202020204" pitchFamily="34" charset="0"/>
-            </a:rPr>
-            <a:t>9. </a:t>
-          </a:r>
-          <a:r>
-            <a:rPr lang="id-ID" sz="2800" b="0" kern="1200" dirty="0" smtClean="0">
-              <a:latin typeface="Agency FB" panose="020B0503020202020204" pitchFamily="34" charset="0"/>
-            </a:rPr>
-            <a:t>Kriptografi Asimetrik</a:t>
-          </a:r>
-          <a:endParaRPr lang="id-ID" sz="2800" kern="1200" dirty="0">
-            <a:latin typeface="Agency FB" panose="020B0503020202020204" pitchFamily="34" charset="0"/>
-          </a:endParaRPr>
-        </a:p>
-      </dsp:txBody>
-      <dsp:txXfrm>
-        <a:off x="34726" y="41285"/>
-        <a:ext cx="4144949" cy="641908"/>
-      </dsp:txXfrm>
-    </dsp:sp>
-    <dsp:sp modelId="{AADA161B-0E44-4493-B862-AA188302F13F}">
-      <dsp:nvSpPr>
-        <dsp:cNvPr id="0" name=""/>
-        <dsp:cNvSpPr/>
-      </dsp:nvSpPr>
-      <dsp:spPr>
-        <a:xfrm>
-          <a:off x="0" y="827359"/>
-          <a:ext cx="4214401" cy="711360"/>
-        </a:xfrm>
-        <a:prstGeom prst="roundRect">
-          <a:avLst/>
-        </a:prstGeom>
-        <a:noFill/>
-        <a:ln w="12700" cap="flat" cmpd="sng" algn="ctr">
-          <a:solidFill>
-            <a:schemeClr val="accent1">
-              <a:shade val="80000"/>
-              <a:hueOff val="0"/>
-              <a:satOff val="0"/>
-              <a:lumOff val="0"/>
-              <a:alphaOff val="0"/>
-            </a:schemeClr>
-          </a:solidFill>
-          <a:prstDash val="solid"/>
-          <a:miter lim="800000"/>
-        </a:ln>
-        <a:effectLst/>
-      </dsp:spPr>
-      <dsp:style>
-        <a:lnRef idx="2">
-          <a:scrgbClr r="0" g="0" b="0"/>
-        </a:lnRef>
-        <a:fillRef idx="1">
-          <a:scrgbClr r="0" g="0" b="0"/>
-        </a:fillRef>
-        <a:effectRef idx="0">
-          <a:scrgbClr r="0" g="0" b="0"/>
-        </a:effectRef>
-        <a:fontRef idx="minor">
-          <a:schemeClr val="lt1"/>
-        </a:fontRef>
-      </dsp:style>
-      <dsp:txBody>
-        <a:bodyPr spcFirstLastPara="0" vert="horz" wrap="square" lIns="106680" tIns="106680" rIns="106680" bIns="106680" numCol="1" spcCol="1270" anchor="ctr" anchorCtr="0">
-          <a:noAutofit/>
-        </a:bodyPr>
-        <a:lstStyle/>
-        <a:p>
-          <a:pPr lvl="0" algn="l" defTabSz="1244600">
-            <a:lnSpc>
-              <a:spcPct val="90000"/>
-            </a:lnSpc>
-            <a:spcBef>
-              <a:spcPct val="0"/>
-            </a:spcBef>
-            <a:spcAft>
-              <a:spcPct val="35000"/>
-            </a:spcAft>
-          </a:pPr>
-          <a:r>
-            <a:rPr lang="en-US" sz="2800" b="1" kern="1200" dirty="0" smtClean="0">
-              <a:latin typeface="Agency FB" panose="020B0503020202020204" pitchFamily="34" charset="0"/>
-            </a:rPr>
-            <a:t>1</a:t>
-          </a:r>
-          <a:r>
-            <a:rPr lang="id-ID" sz="2800" b="1" kern="1200" dirty="0" smtClean="0">
-              <a:latin typeface="Agency FB" panose="020B0503020202020204" pitchFamily="34" charset="0"/>
-            </a:rPr>
-            <a:t>0. </a:t>
-          </a:r>
-          <a:r>
-            <a:rPr lang="en-US" sz="2800" b="0" kern="1200" dirty="0" smtClean="0">
-              <a:latin typeface="Agency FB" panose="020B0503020202020204" pitchFamily="34" charset="0"/>
-            </a:rPr>
-            <a:t>Biometric Authentication</a:t>
-          </a:r>
-          <a:endParaRPr lang="id-ID" sz="2800" b="0" kern="1200" dirty="0">
-            <a:latin typeface="Agency FB" panose="020B0503020202020204" pitchFamily="34" charset="0"/>
-          </a:endParaRPr>
-        </a:p>
-      </dsp:txBody>
-      <dsp:txXfrm>
-        <a:off x="34726" y="862085"/>
-        <a:ext cx="4144949" cy="641908"/>
-      </dsp:txXfrm>
-    </dsp:sp>
-    <dsp:sp modelId="{4243BBF9-1AA9-4550-83D8-1DFA0B761F29}">
-      <dsp:nvSpPr>
-        <dsp:cNvPr id="0" name=""/>
-        <dsp:cNvSpPr/>
-      </dsp:nvSpPr>
-      <dsp:spPr>
-        <a:xfrm>
-          <a:off x="0" y="1648159"/>
-          <a:ext cx="4214401" cy="711360"/>
-        </a:xfrm>
-        <a:prstGeom prst="roundRect">
-          <a:avLst/>
-        </a:prstGeom>
-        <a:noFill/>
-        <a:ln w="12700" cap="flat" cmpd="sng" algn="ctr">
-          <a:solidFill>
-            <a:schemeClr val="accent1">
-              <a:shade val="80000"/>
-              <a:hueOff val="0"/>
-              <a:satOff val="0"/>
-              <a:lumOff val="0"/>
-              <a:alphaOff val="0"/>
-            </a:schemeClr>
-          </a:solidFill>
-          <a:prstDash val="solid"/>
-          <a:miter lim="800000"/>
-        </a:ln>
-        <a:effectLst/>
-      </dsp:spPr>
-      <dsp:style>
-        <a:lnRef idx="2">
-          <a:scrgbClr r="0" g="0" b="0"/>
-        </a:lnRef>
-        <a:fillRef idx="1">
-          <a:scrgbClr r="0" g="0" b="0"/>
-        </a:fillRef>
-        <a:effectRef idx="0">
-          <a:scrgbClr r="0" g="0" b="0"/>
-        </a:effectRef>
-        <a:fontRef idx="minor">
-          <a:schemeClr val="lt1"/>
-        </a:fontRef>
-      </dsp:style>
-      <dsp:txBody>
-        <a:bodyPr spcFirstLastPara="0" vert="horz" wrap="square" lIns="106680" tIns="106680" rIns="106680" bIns="106680" numCol="1" spcCol="1270" anchor="ctr" anchorCtr="0">
-          <a:noAutofit/>
-        </a:bodyPr>
-        <a:lstStyle/>
-        <a:p>
-          <a:pPr lvl="0" algn="l" defTabSz="1244600">
-            <a:lnSpc>
-              <a:spcPct val="90000"/>
-            </a:lnSpc>
-            <a:spcBef>
-              <a:spcPct val="0"/>
-            </a:spcBef>
-            <a:spcAft>
-              <a:spcPct val="35000"/>
-            </a:spcAft>
-          </a:pPr>
-          <a:r>
-            <a:rPr lang="id-ID" sz="2800" b="1" kern="1200" dirty="0" smtClean="0">
-              <a:latin typeface="Agency FB" panose="020B0503020202020204" pitchFamily="34" charset="0"/>
-            </a:rPr>
-            <a:t>11.</a:t>
-          </a:r>
-          <a:r>
-            <a:rPr lang="id-ID" sz="2800" kern="1200" dirty="0" smtClean="0">
-              <a:latin typeface="Agency FB" panose="020B0503020202020204" pitchFamily="34" charset="0"/>
-            </a:rPr>
-            <a:t> </a:t>
-          </a:r>
-          <a:r>
-            <a:rPr lang="id-ID" sz="2800" b="0" kern="1200" dirty="0" smtClean="0">
-              <a:latin typeface="Agency FB" panose="020B0503020202020204" pitchFamily="34" charset="0"/>
-            </a:rPr>
-            <a:t>Public Key Infrastructure</a:t>
-          </a:r>
-          <a:endParaRPr lang="id-ID" sz="2800" kern="1200" dirty="0">
-            <a:latin typeface="Agency FB" panose="020B0503020202020204" pitchFamily="34" charset="0"/>
-          </a:endParaRPr>
-        </a:p>
-      </dsp:txBody>
-      <dsp:txXfrm>
-        <a:off x="34726" y="1682885"/>
-        <a:ext cx="4144949" cy="641908"/>
-      </dsp:txXfrm>
-    </dsp:sp>
-    <dsp:sp modelId="{F4223B3F-7A5F-4B4B-BB64-825656D9084A}">
-      <dsp:nvSpPr>
-        <dsp:cNvPr id="0" name=""/>
-        <dsp:cNvSpPr/>
-      </dsp:nvSpPr>
-      <dsp:spPr>
-        <a:xfrm>
-          <a:off x="0" y="2468959"/>
-          <a:ext cx="4214401" cy="711360"/>
-        </a:xfrm>
-        <a:prstGeom prst="roundRect">
-          <a:avLst/>
-        </a:prstGeom>
-        <a:noFill/>
-        <a:ln w="12700" cap="flat" cmpd="sng" algn="ctr">
-          <a:solidFill>
-            <a:schemeClr val="accent1">
-              <a:shade val="80000"/>
-              <a:hueOff val="0"/>
-              <a:satOff val="0"/>
-              <a:lumOff val="0"/>
-              <a:alphaOff val="0"/>
-            </a:schemeClr>
-          </a:solidFill>
-          <a:prstDash val="solid"/>
-          <a:miter lim="800000"/>
-        </a:ln>
-        <a:effectLst/>
-      </dsp:spPr>
-      <dsp:style>
-        <a:lnRef idx="2">
-          <a:scrgbClr r="0" g="0" b="0"/>
-        </a:lnRef>
-        <a:fillRef idx="1">
-          <a:scrgbClr r="0" g="0" b="0"/>
-        </a:fillRef>
-        <a:effectRef idx="0">
-          <a:scrgbClr r="0" g="0" b="0"/>
-        </a:effectRef>
-        <a:fontRef idx="minor">
-          <a:schemeClr val="lt1"/>
-        </a:fontRef>
-      </dsp:style>
-      <dsp:txBody>
-        <a:bodyPr spcFirstLastPara="0" vert="horz" wrap="square" lIns="106680" tIns="106680" rIns="106680" bIns="106680" numCol="1" spcCol="1270" anchor="ctr" anchorCtr="0">
-          <a:noAutofit/>
-        </a:bodyPr>
-        <a:lstStyle/>
-        <a:p>
-          <a:pPr lvl="0" algn="l" defTabSz="1244600">
-            <a:lnSpc>
-              <a:spcPct val="90000"/>
-            </a:lnSpc>
-            <a:spcBef>
-              <a:spcPct val="0"/>
-            </a:spcBef>
-            <a:spcAft>
-              <a:spcPct val="35000"/>
-            </a:spcAft>
-          </a:pPr>
-          <a:r>
-            <a:rPr lang="id-ID" sz="2800" b="1" kern="1200" dirty="0" smtClean="0">
-              <a:latin typeface="Agency FB" panose="020B0503020202020204" pitchFamily="34" charset="0"/>
-            </a:rPr>
-            <a:t>12. </a:t>
-          </a:r>
-          <a:r>
-            <a:rPr lang="id-ID" sz="2800" kern="1200" dirty="0" smtClean="0">
-              <a:latin typeface="Agency FB" panose="020B0503020202020204" pitchFamily="34" charset="0"/>
-            </a:rPr>
-            <a:t>Protokol Keamanan</a:t>
-          </a:r>
-          <a:endParaRPr lang="id-ID" sz="2800" b="0" kern="1200" dirty="0">
-            <a:latin typeface="Agency FB" panose="020B0503020202020204" pitchFamily="34" charset="0"/>
-          </a:endParaRPr>
-        </a:p>
-      </dsp:txBody>
-      <dsp:txXfrm>
-        <a:off x="34726" y="2503685"/>
-        <a:ext cx="4144949" cy="641908"/>
-      </dsp:txXfrm>
-    </dsp:sp>
-    <dsp:sp modelId="{D6F8D2BE-5674-433E-876C-693D6B513985}">
-      <dsp:nvSpPr>
-        <dsp:cNvPr id="0" name=""/>
-        <dsp:cNvSpPr/>
-      </dsp:nvSpPr>
-      <dsp:spPr>
-        <a:xfrm>
-          <a:off x="0" y="3289760"/>
-          <a:ext cx="4214401" cy="711360"/>
-        </a:xfrm>
-        <a:prstGeom prst="roundRect">
-          <a:avLst/>
-        </a:prstGeom>
-        <a:noFill/>
-        <a:ln w="12700" cap="flat" cmpd="sng" algn="ctr">
-          <a:solidFill>
-            <a:schemeClr val="accent1">
-              <a:shade val="80000"/>
-              <a:hueOff val="0"/>
-              <a:satOff val="0"/>
-              <a:lumOff val="0"/>
-              <a:alphaOff val="0"/>
-            </a:schemeClr>
-          </a:solidFill>
-          <a:prstDash val="solid"/>
-          <a:miter lim="800000"/>
-        </a:ln>
-        <a:effectLst/>
-      </dsp:spPr>
-      <dsp:style>
-        <a:lnRef idx="2">
-          <a:scrgbClr r="0" g="0" b="0"/>
-        </a:lnRef>
-        <a:fillRef idx="1">
-          <a:scrgbClr r="0" g="0" b="0"/>
-        </a:fillRef>
-        <a:effectRef idx="0">
-          <a:scrgbClr r="0" g="0" b="0"/>
-        </a:effectRef>
-        <a:fontRef idx="minor">
-          <a:schemeClr val="lt1"/>
-        </a:fontRef>
-      </dsp:style>
-      <dsp:txBody>
-        <a:bodyPr spcFirstLastPara="0" vert="horz" wrap="square" lIns="106680" tIns="106680" rIns="106680" bIns="106680" numCol="1" spcCol="1270" anchor="ctr" anchorCtr="0">
-          <a:noAutofit/>
-        </a:bodyPr>
-        <a:lstStyle/>
-        <a:p>
-          <a:pPr lvl="0" algn="l" defTabSz="1244600">
-            <a:lnSpc>
-              <a:spcPct val="90000"/>
-            </a:lnSpc>
-            <a:spcBef>
-              <a:spcPct val="0"/>
-            </a:spcBef>
-            <a:spcAft>
-              <a:spcPct val="35000"/>
-            </a:spcAft>
-          </a:pPr>
-          <a:r>
-            <a:rPr lang="id-ID" sz="2800" b="1" kern="1200" dirty="0" smtClean="0">
-              <a:latin typeface="Agency FB" panose="020B0503020202020204" pitchFamily="34" charset="0"/>
-            </a:rPr>
-            <a:t>13. </a:t>
-          </a:r>
-          <a:r>
-            <a:rPr lang="id-ID" sz="2800" kern="1200" dirty="0" smtClean="0">
-              <a:latin typeface="Agency FB" panose="020B0503020202020204" pitchFamily="34" charset="0"/>
-            </a:rPr>
-            <a:t>Malware &amp; Computer Forensics</a:t>
-          </a:r>
-          <a:endParaRPr lang="id-ID" sz="2800" b="0" kern="1200" dirty="0">
-            <a:latin typeface="Agency FB" panose="020B0503020202020204" pitchFamily="34" charset="0"/>
-          </a:endParaRPr>
-        </a:p>
-      </dsp:txBody>
-      <dsp:txXfrm>
-        <a:off x="34726" y="3324486"/>
-        <a:ext cx="4144949" cy="641908"/>
-      </dsp:txXfrm>
-    </dsp:sp>
-    <dsp:sp modelId="{BDCDCFE5-C63B-426B-8D16-4C2EF5169E39}">
-      <dsp:nvSpPr>
-        <dsp:cNvPr id="0" name=""/>
-        <dsp:cNvSpPr/>
-      </dsp:nvSpPr>
-      <dsp:spPr>
-        <a:xfrm>
-          <a:off x="0" y="4110560"/>
-          <a:ext cx="4214401" cy="711360"/>
-        </a:xfrm>
-        <a:prstGeom prst="roundRect">
-          <a:avLst/>
-        </a:prstGeom>
-        <a:noFill/>
-        <a:ln w="12700" cap="flat" cmpd="sng" algn="ctr">
-          <a:solidFill>
-            <a:schemeClr val="accent1">
-              <a:shade val="80000"/>
-              <a:hueOff val="0"/>
-              <a:satOff val="0"/>
-              <a:lumOff val="0"/>
-              <a:alphaOff val="0"/>
-            </a:schemeClr>
-          </a:solidFill>
-          <a:prstDash val="solid"/>
-          <a:miter lim="800000"/>
-        </a:ln>
-        <a:effectLst/>
-      </dsp:spPr>
-      <dsp:style>
-        <a:lnRef idx="2">
-          <a:scrgbClr r="0" g="0" b="0"/>
-        </a:lnRef>
-        <a:fillRef idx="1">
-          <a:scrgbClr r="0" g="0" b="0"/>
-        </a:fillRef>
-        <a:effectRef idx="0">
-          <a:scrgbClr r="0" g="0" b="0"/>
-        </a:effectRef>
-        <a:fontRef idx="minor">
-          <a:schemeClr val="lt1"/>
-        </a:fontRef>
-      </dsp:style>
-      <dsp:txBody>
-        <a:bodyPr spcFirstLastPara="0" vert="horz" wrap="square" lIns="106680" tIns="106680" rIns="106680" bIns="106680" numCol="1" spcCol="1270" anchor="ctr" anchorCtr="0">
-          <a:noAutofit/>
-        </a:bodyPr>
-        <a:lstStyle/>
-        <a:p>
-          <a:pPr lvl="0" algn="l" defTabSz="1244600">
-            <a:lnSpc>
-              <a:spcPct val="90000"/>
-            </a:lnSpc>
-            <a:spcBef>
-              <a:spcPct val="0"/>
-            </a:spcBef>
-            <a:spcAft>
-              <a:spcPct val="35000"/>
-            </a:spcAft>
-          </a:pPr>
-          <a:r>
-            <a:rPr lang="id-ID" sz="2800" b="1" i="0" kern="1200" dirty="0" smtClean="0">
-              <a:latin typeface="Agency FB" panose="020B0503020202020204" pitchFamily="34" charset="0"/>
-            </a:rPr>
-            <a:t>14. </a:t>
-          </a:r>
-          <a:r>
-            <a:rPr lang="id-ID" sz="2800" b="0" i="0" kern="1200" dirty="0" smtClean="0">
-              <a:latin typeface="Agency FB" panose="020B0503020202020204" pitchFamily="34" charset="0"/>
-            </a:rPr>
-            <a:t>UAS</a:t>
-          </a:r>
-          <a:endParaRPr lang="id-ID" sz="2800" b="0" kern="1200" dirty="0">
-            <a:latin typeface="Agency FB" panose="020B0503020202020204" pitchFamily="34" charset="0"/>
-          </a:endParaRPr>
-        </a:p>
-      </dsp:txBody>
-      <dsp:txXfrm>
-        <a:off x="34726" y="4145286"/>
-        <a:ext cx="4144949" cy="641908"/>
-      </dsp:txXfrm>
-    </dsp:sp>
   </dsp:spTree>
 </dsp:drawing>
 </file>
@@ -11180,7 +9843,7 @@
           <a:p>
             <a:fld id="{CCC21BEF-BE28-4E76-9D60-7138FB889744}" type="datetimeFigureOut">
               <a:rPr lang="en-US" smtClean="0"/>
-              <a:t>2/19/2019</a:t>
+              <a:t>2/26/2019</a:t>
             </a:fld>
             <a:endParaRPr lang="en-US"/>
           </a:p>
@@ -11346,7 +10009,7 @@
           <a:p>
             <a:fld id="{EECF35F7-200E-49D6-8B7C-AD2DD13040E3}" type="datetimeFigureOut">
               <a:rPr lang="id-ID" smtClean="0"/>
-              <a:t>19/02/2019</a:t>
+              <a:t>26/02/2019</a:t>
             </a:fld>
             <a:endParaRPr lang="id-ID"/>
           </a:p>
@@ -11748,7 +10411,7 @@
           <p:cNvPr id="2" name="Group 1">
             <a:extLst>
               <a:ext uri="{FF2B5EF4-FFF2-40B4-BE49-F238E27FC236}">
-                <a16:creationId xmlns="" xmlns:a16="http://schemas.microsoft.com/office/drawing/2014/main" id="{BF297A3D-1EBC-4C20-A6D0-B4AB835648C5}"/>
+                <a16:creationId xmlns:a16="http://schemas.microsoft.com/office/drawing/2014/main" xmlns="" id="{BF297A3D-1EBC-4C20-A6D0-B4AB835648C5}"/>
               </a:ext>
             </a:extLst>
           </p:cNvPr>
@@ -12021,7 +10684,7 @@
           <p:cNvPr id="12" name="Group 11">
             <a:extLst>
               <a:ext uri="{FF2B5EF4-FFF2-40B4-BE49-F238E27FC236}">
-                <a16:creationId xmlns="" xmlns:a16="http://schemas.microsoft.com/office/drawing/2014/main" id="{6CB640A9-E75A-4093-9667-ABD2E89C2AD7}"/>
+                <a16:creationId xmlns:a16="http://schemas.microsoft.com/office/drawing/2014/main" xmlns="" id="{6CB640A9-E75A-4093-9667-ABD2E89C2AD7}"/>
               </a:ext>
             </a:extLst>
           </p:cNvPr>
@@ -12041,7 +10704,7 @@
             <p:cNvPr id="13" name="Rectangle 12">
               <a:extLst>
                 <a:ext uri="{FF2B5EF4-FFF2-40B4-BE49-F238E27FC236}">
-                  <a16:creationId xmlns="" xmlns:a16="http://schemas.microsoft.com/office/drawing/2014/main" id="{262ED595-A960-4EC6-A66D-72370EA79B32}"/>
+                  <a16:creationId xmlns:a16="http://schemas.microsoft.com/office/drawing/2014/main" xmlns="" id="{262ED595-A960-4EC6-A66D-72370EA79B32}"/>
                 </a:ext>
               </a:extLst>
             </p:cNvPr>
@@ -12110,7 +10773,7 @@
             <p:cNvPr id="14" name="Rectangle 13">
               <a:extLst>
                 <a:ext uri="{FF2B5EF4-FFF2-40B4-BE49-F238E27FC236}">
-                  <a16:creationId xmlns="" xmlns:a16="http://schemas.microsoft.com/office/drawing/2014/main" id="{B6C5A0C2-4FFC-43FE-AF3C-49817869F3D9}"/>
+                  <a16:creationId xmlns:a16="http://schemas.microsoft.com/office/drawing/2014/main" xmlns="" id="{B6C5A0C2-4FFC-43FE-AF3C-49817869F3D9}"/>
                 </a:ext>
               </a:extLst>
             </p:cNvPr>
@@ -12210,7 +10873,7 @@
           <p:cNvPr id="14" name="Group 13">
             <a:extLst>
               <a:ext uri="{FF2B5EF4-FFF2-40B4-BE49-F238E27FC236}">
-                <a16:creationId xmlns="" xmlns:a16="http://schemas.microsoft.com/office/drawing/2014/main" id="{3767F55E-A8D4-4080-A68C-7A89EBC25F20}"/>
+                <a16:creationId xmlns:a16="http://schemas.microsoft.com/office/drawing/2014/main" xmlns="" id="{3767F55E-A8D4-4080-A68C-7A89EBC25F20}"/>
               </a:ext>
             </a:extLst>
           </p:cNvPr>
@@ -12230,7 +10893,7 @@
             <p:cNvPr id="15" name="Rectangle 14">
               <a:extLst>
                 <a:ext uri="{FF2B5EF4-FFF2-40B4-BE49-F238E27FC236}">
-                  <a16:creationId xmlns="" xmlns:a16="http://schemas.microsoft.com/office/drawing/2014/main" id="{3D172E93-39AD-4D63-9BA1-B8B65F6D6F1E}"/>
+                  <a16:creationId xmlns:a16="http://schemas.microsoft.com/office/drawing/2014/main" xmlns="" id="{3D172E93-39AD-4D63-9BA1-B8B65F6D6F1E}"/>
                 </a:ext>
               </a:extLst>
             </p:cNvPr>
@@ -12299,7 +10962,7 @@
             <p:cNvPr id="16" name="Rectangle 15">
               <a:extLst>
                 <a:ext uri="{FF2B5EF4-FFF2-40B4-BE49-F238E27FC236}">
-                  <a16:creationId xmlns="" xmlns:a16="http://schemas.microsoft.com/office/drawing/2014/main" id="{E0B00AE5-724C-4F13-BE78-A3FF537246D8}"/>
+                  <a16:creationId xmlns:a16="http://schemas.microsoft.com/office/drawing/2014/main" xmlns="" id="{E0B00AE5-724C-4F13-BE78-A3FF537246D8}"/>
                 </a:ext>
               </a:extLst>
             </p:cNvPr>
@@ -12726,7 +11389,7 @@
           <p:cNvPr id="12" name="Group 11">
             <a:extLst>
               <a:ext uri="{FF2B5EF4-FFF2-40B4-BE49-F238E27FC236}">
-                <a16:creationId xmlns="" xmlns:a16="http://schemas.microsoft.com/office/drawing/2014/main" id="{339DAB42-6B87-4E41-8A58-64139319C82D}"/>
+                <a16:creationId xmlns:a16="http://schemas.microsoft.com/office/drawing/2014/main" xmlns="" id="{339DAB42-6B87-4E41-8A58-64139319C82D}"/>
               </a:ext>
             </a:extLst>
           </p:cNvPr>
@@ -12746,7 +11409,7 @@
             <p:cNvPr id="13" name="Rectangle 12">
               <a:extLst>
                 <a:ext uri="{FF2B5EF4-FFF2-40B4-BE49-F238E27FC236}">
-                  <a16:creationId xmlns="" xmlns:a16="http://schemas.microsoft.com/office/drawing/2014/main" id="{22EF7F0A-8D0E-4B48-9292-DB29D3890617}"/>
+                  <a16:creationId xmlns:a16="http://schemas.microsoft.com/office/drawing/2014/main" xmlns="" id="{22EF7F0A-8D0E-4B48-9292-DB29D3890617}"/>
                 </a:ext>
               </a:extLst>
             </p:cNvPr>
@@ -12815,7 +11478,7 @@
             <p:cNvPr id="14" name="Rectangle 13">
               <a:extLst>
                 <a:ext uri="{FF2B5EF4-FFF2-40B4-BE49-F238E27FC236}">
-                  <a16:creationId xmlns="" xmlns:a16="http://schemas.microsoft.com/office/drawing/2014/main" id="{4E488A89-9A6A-43B3-8B27-1C5F834123EA}"/>
+                  <a16:creationId xmlns:a16="http://schemas.microsoft.com/office/drawing/2014/main" xmlns="" id="{4E488A89-9A6A-43B3-8B27-1C5F834123EA}"/>
                 </a:ext>
               </a:extLst>
             </p:cNvPr>
@@ -12915,7 +11578,7 @@
           <p:cNvPr id="14" name="Group 13">
             <a:extLst>
               <a:ext uri="{FF2B5EF4-FFF2-40B4-BE49-F238E27FC236}">
-                <a16:creationId xmlns="" xmlns:a16="http://schemas.microsoft.com/office/drawing/2014/main" id="{5AEF91FE-CE08-4C64-9D1A-BF086DAC22E9}"/>
+                <a16:creationId xmlns:a16="http://schemas.microsoft.com/office/drawing/2014/main" xmlns="" id="{5AEF91FE-CE08-4C64-9D1A-BF086DAC22E9}"/>
               </a:ext>
             </a:extLst>
           </p:cNvPr>
@@ -12935,7 +11598,7 @@
             <p:cNvPr id="15" name="Rectangle 14">
               <a:extLst>
                 <a:ext uri="{FF2B5EF4-FFF2-40B4-BE49-F238E27FC236}">
-                  <a16:creationId xmlns="" xmlns:a16="http://schemas.microsoft.com/office/drawing/2014/main" id="{F36587F9-4489-4F31-A201-9E603A9EFA33}"/>
+                  <a16:creationId xmlns:a16="http://schemas.microsoft.com/office/drawing/2014/main" xmlns="" id="{F36587F9-4489-4F31-A201-9E603A9EFA33}"/>
                 </a:ext>
               </a:extLst>
             </p:cNvPr>
@@ -13004,7 +11667,7 @@
             <p:cNvPr id="16" name="Rectangle 15">
               <a:extLst>
                 <a:ext uri="{FF2B5EF4-FFF2-40B4-BE49-F238E27FC236}">
-                  <a16:creationId xmlns="" xmlns:a16="http://schemas.microsoft.com/office/drawing/2014/main" id="{57D842AC-AEF0-446E-9DFB-E136E63032D2}"/>
+                  <a16:creationId xmlns:a16="http://schemas.microsoft.com/office/drawing/2014/main" xmlns="" id="{57D842AC-AEF0-446E-9DFB-E136E63032D2}"/>
                 </a:ext>
               </a:extLst>
             </p:cNvPr>
@@ -15272,7 +13935,7 @@
           <p:cNvPr id="5" name="Content Placeholder 5">
             <a:extLst>
               <a:ext uri="{FF2B5EF4-FFF2-40B4-BE49-F238E27FC236}">
-                <a16:creationId xmlns="" xmlns:a16="http://schemas.microsoft.com/office/drawing/2014/main" id="{7D95672D-CEB1-4176-995E-413BA719A872}"/>
+                <a16:creationId xmlns:a16="http://schemas.microsoft.com/office/drawing/2014/main" xmlns="" id="{7D95672D-CEB1-4176-995E-413BA719A872}"/>
               </a:ext>
             </a:extLst>
           </p:cNvPr>
@@ -15302,7 +13965,7 @@
           <p:cNvPr id="6" name="Content Placeholder 5">
             <a:extLst>
               <a:ext uri="{FF2B5EF4-FFF2-40B4-BE49-F238E27FC236}">
-                <a16:creationId xmlns="" xmlns:a16="http://schemas.microsoft.com/office/drawing/2014/main" id="{12476E74-6BD6-4D6D-981D-4EB5329F8F06}"/>
+                <a16:creationId xmlns:a16="http://schemas.microsoft.com/office/drawing/2014/main" xmlns="" id="{12476E74-6BD6-4D6D-981D-4EB5329F8F06}"/>
               </a:ext>
             </a:extLst>
           </p:cNvPr>
@@ -19369,11 +18032,7 @@
             </a:r>
             <a:r>
               <a:rPr lang="id-ID" dirty="0" smtClean="0"/>
-              <a:t>Penilaian </a:t>
-            </a:r>
-            <a:r>
-              <a:rPr lang="id-ID" dirty="0" smtClean="0"/>
-              <a:t>- SI4B</a:t>
+              <a:t>Penilaian - SI4B</a:t>
             </a:r>
             <a:endParaRPr lang="id-ID" dirty="0"/>
           </a:p>
@@ -19458,11 +18117,7 @@
             </a:r>
             <a:r>
               <a:rPr lang="id-ID" dirty="0" smtClean="0"/>
-              <a:t>Penilaian </a:t>
-            </a:r>
-            <a:r>
-              <a:rPr lang="id-ID" dirty="0" smtClean="0"/>
-              <a:t>- SI4C</a:t>
+              <a:t>Penilaian - SI4C</a:t>
             </a:r>
             <a:endParaRPr lang="id-ID" dirty="0"/>
           </a:p>
@@ -19547,15 +18202,7 @@
             </a:r>
             <a:r>
               <a:rPr lang="id-ID" dirty="0" smtClean="0"/>
-              <a:t>Penilaian </a:t>
-            </a:r>
-            <a:r>
-              <a:rPr lang="id-ID" dirty="0" smtClean="0"/>
-              <a:t>- </a:t>
-            </a:r>
-            <a:r>
-              <a:rPr lang="id-ID" dirty="0" smtClean="0"/>
-              <a:t>SI4D</a:t>
+              <a:t>Penilaian - SI4D</a:t>
             </a:r>
             <a:endParaRPr lang="id-ID" dirty="0"/>
           </a:p>
@@ -20158,19 +18805,7 @@
             </a:r>
             <a:r>
               <a:rPr lang="id-ID" dirty="0" smtClean="0"/>
-              <a:t>sesuai jadwal </a:t>
-            </a:r>
-            <a:r>
-              <a:rPr lang="id-ID" dirty="0" smtClean="0"/>
-              <a:t>09</a:t>
-            </a:r>
-            <a:r>
-              <a:rPr lang="id-ID" dirty="0" smtClean="0"/>
-              <a:t>.15 </a:t>
-            </a:r>
-            <a:r>
-              <a:rPr lang="id-ID" dirty="0" smtClean="0"/>
-              <a:t>WIB, </a:t>
+              <a:t>sesuai jadwal 09.15 WIB, </a:t>
             </a:r>
             <a:r>
               <a:rPr lang="en-US" dirty="0" err="1"/>
@@ -20198,15 +18833,7 @@
             </a:r>
             <a:r>
               <a:rPr lang="id-ID" dirty="0" smtClean="0"/>
-              <a:t> </a:t>
-            </a:r>
-            <a:r>
-              <a:rPr lang="id-ID" dirty="0" smtClean="0"/>
-              <a:t>15</a:t>
-            </a:r>
-            <a:r>
-              <a:rPr lang="id-ID" dirty="0" smtClean="0"/>
-              <a:t> </a:t>
+              <a:t> 15 </a:t>
             </a:r>
             <a:r>
               <a:rPr lang="en-US" dirty="0" err="1" smtClean="0"/>
@@ -20461,15 +19088,7 @@
             </a:r>
             <a:r>
               <a:rPr lang="id-ID" dirty="0" smtClean="0"/>
-              <a:t>sesuai jadwal </a:t>
-            </a:r>
-            <a:r>
-              <a:rPr lang="id-ID" dirty="0" smtClean="0"/>
-              <a:t>12.45 </a:t>
-            </a:r>
-            <a:r>
-              <a:rPr lang="id-ID" dirty="0" smtClean="0"/>
-              <a:t>WIB, </a:t>
+              <a:t>sesuai jadwal 12.45 WIB, </a:t>
             </a:r>
             <a:r>
               <a:rPr lang="en-US" dirty="0" err="1"/>
@@ -20497,15 +19116,7 @@
             </a:r>
             <a:r>
               <a:rPr lang="id-ID" dirty="0" smtClean="0"/>
-              <a:t> </a:t>
-            </a:r>
-            <a:r>
-              <a:rPr lang="id-ID" dirty="0" smtClean="0"/>
-              <a:t>15</a:t>
-            </a:r>
-            <a:r>
-              <a:rPr lang="id-ID" dirty="0" smtClean="0"/>
-              <a:t> </a:t>
+              <a:t> 15 </a:t>
             </a:r>
             <a:r>
               <a:rPr lang="en-US" dirty="0" err="1" smtClean="0"/>
@@ -21921,24 +20532,21 @@
           </a:p>
           <a:p>
             <a:r>
-              <a:rPr lang="en-US" dirty="0" smtClean="0"/>
+              <a:rPr lang="en-US" smtClean="0"/>
               <a:t>WA/Telegram </a:t>
             </a:r>
             <a:r>
-              <a:rPr lang="en-US" dirty="0"/>
-              <a:t>: </a:t>
-            </a:r>
-            <a:r>
-              <a:rPr lang="id-ID" dirty="0" smtClean="0">
-                <a:solidFill>
-                  <a:schemeClr val="accent1">
-                    <a:lumMod val="40000"/>
-                    <a:lumOff val="60000"/>
-                  </a:schemeClr>
-                </a:solidFill>
-              </a:rPr>
-              <a:t>0856 4868 8506</a:t>
-            </a:r>
+              <a:rPr lang="en-US" smtClean="0"/>
+              <a:t>:</a:t>
+            </a:r>
+            <a:endParaRPr lang="id-ID" dirty="0" smtClean="0">
+              <a:solidFill>
+                <a:schemeClr val="accent1">
+                  <a:lumMod val="40000"/>
+                  <a:lumOff val="60000"/>
+                </a:schemeClr>
+              </a:solidFill>
+            </a:endParaRPr>
           </a:p>
           <a:p>
             <a:r>
@@ -22003,7 +20611,6 @@
               <a:rPr lang="id-ID" dirty="0" smtClean="0"/>
               <a:t>SI4B : </a:t>
             </a:r>
-            <a:endParaRPr lang="id-ID" dirty="0" smtClean="0"/>
           </a:p>
           <a:p>
             <a:pPr lvl="2"/>
@@ -22042,18 +20649,7 @@
                   </a:schemeClr>
                 </a:solidFill>
               </a:rPr>
-              <a:t>0899 </a:t>
-            </a:r>
-            <a:r>
-              <a:rPr lang="id-ID" dirty="0" smtClean="0">
-                <a:solidFill>
-                  <a:schemeClr val="accent1">
-                    <a:lumMod val="60000"/>
-                    <a:lumOff val="40000"/>
-                  </a:schemeClr>
-                </a:solidFill>
-              </a:rPr>
-              <a:t>3616 728</a:t>
+              <a:t>0899 3616 728</a:t>
             </a:r>
           </a:p>
           <a:p>
